--- a/html/前端分享.pptx
+++ b/html/前端分享.pptx
@@ -8,7 +8,7 @@
     <p:notesMasterId r:id="rId4"/>
   </p:notesMasterIdLst>
   <p:handoutMasterIdLst>
-    <p:handoutMasterId r:id="rId25"/>
+    <p:handoutMasterId r:id="rId27"/>
   </p:handoutMasterIdLst>
   <p:sldIdLst>
     <p:sldId id="965" r:id="rId3"/>
@@ -30,39 +30,41 @@
     <p:sldId id="1065" r:id="rId20"/>
     <p:sldId id="1066" r:id="rId21"/>
     <p:sldId id="1064" r:id="rId22"/>
-    <p:sldId id="1044" r:id="rId23"/>
-    <p:sldId id="1038" r:id="rId24"/>
+    <p:sldId id="1072" r:id="rId23"/>
+    <p:sldId id="1073" r:id="rId24"/>
+    <p:sldId id="1044" r:id="rId25"/>
+    <p:sldId id="1038" r:id="rId26"/>
   </p:sldIdLst>
   <p:sldSz cx="9144000" cy="6858000" type="screen4x3"/>
   <p:notesSz cx="6858000" cy="9144000"/>
   <p:embeddedFontLst>
     <p:embeddedFont>
       <p:font typeface="隶书" panose="02010509060101010101" pitchFamily="49" charset="-122"/>
-      <p:regular r:id="rId29"/>
+      <p:regular r:id="rId31"/>
     </p:embeddedFont>
     <p:embeddedFont>
       <p:font typeface="经典粗圆简" panose="02010609000101010101" pitchFamily="49" charset="-122"/>
-      <p:regular r:id="rId30"/>
+      <p:regular r:id="rId32"/>
     </p:embeddedFont>
     <p:embeddedFont>
       <p:font typeface="华文行楷" panose="02010800040101010101" pitchFamily="2" charset="-122"/>
-      <p:regular r:id="rId31"/>
+      <p:regular r:id="rId33"/>
     </p:embeddedFont>
     <p:embeddedFont>
       <p:font typeface="Arial Black" panose="020B0A04020102020204" pitchFamily="34" charset="0"/>
-      <p:bold r:id="rId32"/>
+      <p:bold r:id="rId34"/>
     </p:embeddedFont>
     <p:embeddedFont>
       <p:font typeface="微软雅黑" panose="020B0503020204020204" pitchFamily="34" charset="-122"/>
-      <p:regular r:id="rId33"/>
+      <p:regular r:id="rId35"/>
     </p:embeddedFont>
     <p:embeddedFont>
       <p:font typeface="黑体" panose="02010609060101010101" pitchFamily="49" charset="-122"/>
-      <p:regular r:id="rId34"/>
+      <p:regular r:id="rId36"/>
     </p:embeddedFont>
     <p:embeddedFont>
       <p:font typeface="楷体" panose="02010609060101010101" charset="-122"/>
-      <p:regular r:id="rId35"/>
+      <p:regular r:id="rId37"/>
     </p:embeddedFont>
   </p:embeddedFontLst>
   <p:defaultTextStyle>
@@ -8394,7 +8396,7 @@
         <p:spPr>
           <a:xfrm>
             <a:off x="404495" y="1325245"/>
-            <a:ext cx="8086090" cy="3291840"/>
+            <a:ext cx="8086090" cy="4523105"/>
           </a:xfrm>
           <a:prstGeom prst="rect">
             <a:avLst/>
@@ -8587,6 +8589,42 @@
           </a:p>
           <a:p>
             <a:pPr algn="l"/>
+            <a:endParaRPr lang="zh-CN" altLang="en-US" sz="1600" b="0">
+              <a:solidFill>
+                <a:schemeClr val="bg2"/>
+              </a:solidFill>
+              <a:effectLst/>
+              <a:latin typeface="宋体" panose="02010600030101010101" pitchFamily="2" charset="-122"/>
+              <a:ea typeface="宋体" panose="02010600030101010101" pitchFamily="2" charset="-122"/>
+              <a:cs typeface="宋体" panose="02010600030101010101" pitchFamily="2" charset="-122"/>
+            </a:endParaRPr>
+          </a:p>
+          <a:p>
+            <a:pPr algn="l"/>
+            <a:endParaRPr lang="zh-CN" altLang="en-US" sz="1600" b="0">
+              <a:solidFill>
+                <a:schemeClr val="bg2"/>
+              </a:solidFill>
+              <a:effectLst/>
+              <a:latin typeface="宋体" panose="02010600030101010101" pitchFamily="2" charset="-122"/>
+              <a:ea typeface="宋体" panose="02010600030101010101" pitchFamily="2" charset="-122"/>
+              <a:cs typeface="宋体" panose="02010600030101010101" pitchFamily="2" charset="-122"/>
+            </a:endParaRPr>
+          </a:p>
+          <a:p>
+            <a:pPr algn="l"/>
+            <a:endParaRPr lang="zh-CN" altLang="en-US" sz="1600" b="0">
+              <a:solidFill>
+                <a:schemeClr val="bg2"/>
+              </a:solidFill>
+              <a:effectLst/>
+              <a:latin typeface="宋体" panose="02010600030101010101" pitchFamily="2" charset="-122"/>
+              <a:ea typeface="宋体" panose="02010600030101010101" pitchFamily="2" charset="-122"/>
+              <a:cs typeface="宋体" panose="02010600030101010101" pitchFamily="2" charset="-122"/>
+            </a:endParaRPr>
+          </a:p>
+          <a:p>
+            <a:pPr algn="l"/>
             <a:r>
               <a:rPr lang="zh-CN" altLang="en-US" sz="1600" b="0">
                 <a:solidFill>
@@ -8597,6 +8635,42 @@
                 <a:ea typeface="宋体" panose="02010600030101010101" pitchFamily="2" charset="-122"/>
                 <a:cs typeface="宋体" panose="02010600030101010101" pitchFamily="2" charset="-122"/>
               </a:rPr>
+              <a:t>如果想要请求非同源的数据该怎么请求？</a:t>
+            </a:r>
+            <a:endParaRPr lang="zh-CN" altLang="en-US" sz="1600" b="0">
+              <a:solidFill>
+                <a:schemeClr val="bg2"/>
+              </a:solidFill>
+              <a:effectLst/>
+              <a:latin typeface="宋体" panose="02010600030101010101" pitchFamily="2" charset="-122"/>
+              <a:ea typeface="宋体" panose="02010600030101010101" pitchFamily="2" charset="-122"/>
+              <a:cs typeface="宋体" panose="02010600030101010101" pitchFamily="2" charset="-122"/>
+            </a:endParaRPr>
+          </a:p>
+          <a:p>
+            <a:pPr algn="l"/>
+            <a:endParaRPr lang="zh-CN" altLang="en-US" sz="1600" b="0">
+              <a:solidFill>
+                <a:schemeClr val="bg2"/>
+              </a:solidFill>
+              <a:effectLst/>
+              <a:latin typeface="宋体" panose="02010600030101010101" pitchFamily="2" charset="-122"/>
+              <a:ea typeface="宋体" panose="02010600030101010101" pitchFamily="2" charset="-122"/>
+              <a:cs typeface="宋体" panose="02010600030101010101" pitchFamily="2" charset="-122"/>
+            </a:endParaRPr>
+          </a:p>
+          <a:p>
+            <a:pPr algn="l"/>
+            <a:r>
+              <a:rPr lang="zh-CN" altLang="en-US" sz="1600" b="0">
+                <a:solidFill>
+                  <a:schemeClr val="bg2"/>
+                </a:solidFill>
+                <a:effectLst/>
+                <a:latin typeface="宋体" panose="02010600030101010101" pitchFamily="2" charset="-122"/>
+                <a:ea typeface="宋体" panose="02010600030101010101" pitchFamily="2" charset="-122"/>
+                <a:cs typeface="宋体" panose="02010600030101010101" pitchFamily="2" charset="-122"/>
+              </a:rPr>
               <a:t>    </a:t>
             </a:r>
             <a:endParaRPr lang="zh-CN" altLang="en-US" sz="1600" b="0">
@@ -8607,6 +8681,7 @@
               <a:latin typeface="宋体" panose="02010600030101010101" pitchFamily="2" charset="-122"/>
               <a:ea typeface="宋体" panose="02010600030101010101" pitchFamily="2" charset="-122"/>
               <a:cs typeface="宋体" panose="02010600030101010101" pitchFamily="2" charset="-122"/>
+              <a:sym typeface="+mn-ea"/>
             </a:endParaRPr>
           </a:p>
           <a:p>
@@ -9865,6 +9940,1151 @@
 </file>
 
 <file path=ppt/slides/slide20.xml><?xml version="1.0" encoding="utf-8"?>
+<p:sld xmlns:a="http://schemas.openxmlformats.org/drawingml/2006/main" xmlns:r="http://schemas.openxmlformats.org/officeDocument/2006/relationships" xmlns:p="http://schemas.openxmlformats.org/presentationml/2006/main">
+  <p:cSld>
+    <p:spTree>
+      <p:nvGrpSpPr>
+        <p:cNvPr id="1" name=""/>
+        <p:cNvGrpSpPr/>
+        <p:nvPr/>
+      </p:nvGrpSpPr>
+      <p:grpSpPr/>
+      <p:sp>
+        <p:nvSpPr>
+          <p:cNvPr id="2" name="文本框 1"/>
+          <p:cNvSpPr txBox="1"/>
+          <p:nvPr/>
+        </p:nvSpPr>
+        <p:spPr>
+          <a:xfrm>
+            <a:off x="404495" y="1315085"/>
+            <a:ext cx="8096250" cy="5015865"/>
+          </a:xfrm>
+          <a:prstGeom prst="rect">
+            <a:avLst/>
+          </a:prstGeom>
+          <a:noFill/>
+        </p:spPr>
+        <p:txBody>
+          <a:bodyPr wrap="square" rtlCol="0" anchor="t">
+            <a:spAutoFit/>
+          </a:bodyPr>
+          <a:p>
+            <a:pPr algn="l"/>
+            <a:r>
+              <a:rPr lang="en-US" altLang="zh-CN" sz="1600" b="0">
+                <a:solidFill>
+                  <a:schemeClr val="bg2"/>
+                </a:solidFill>
+                <a:effectLst/>
+                <a:latin typeface="宋体" panose="02010600030101010101" pitchFamily="2" charset="-122"/>
+                <a:ea typeface="宋体" panose="02010600030101010101" pitchFamily="2" charset="-122"/>
+                <a:cs typeface="宋体" panose="02010600030101010101" pitchFamily="2" charset="-122"/>
+                <a:sym typeface="+mn-ea"/>
+              </a:rPr>
+              <a:t>    </a:t>
+            </a:r>
+            <a:r>
+              <a:rPr lang="zh-CN" altLang="en-US" sz="1600" b="0">
+                <a:solidFill>
+                  <a:schemeClr val="bg2"/>
+                </a:solidFill>
+                <a:effectLst/>
+                <a:latin typeface="宋体" panose="02010600030101010101" pitchFamily="2" charset="-122"/>
+                <a:ea typeface="宋体" panose="02010600030101010101" pitchFamily="2" charset="-122"/>
+                <a:cs typeface="宋体" panose="02010600030101010101" pitchFamily="2" charset="-122"/>
+                <a:sym typeface="+mn-ea"/>
+              </a:rPr>
+              <a:t>在</a:t>
+            </a:r>
+            <a:r>
+              <a:rPr lang="en-US" altLang="zh-CN" sz="1600" b="0">
+                <a:solidFill>
+                  <a:schemeClr val="bg2"/>
+                </a:solidFill>
+                <a:effectLst/>
+                <a:latin typeface="宋体" panose="02010600030101010101" pitchFamily="2" charset="-122"/>
+                <a:ea typeface="宋体" panose="02010600030101010101" pitchFamily="2" charset="-122"/>
+                <a:cs typeface="宋体" panose="02010600030101010101" pitchFamily="2" charset="-122"/>
+                <a:sym typeface="+mn-ea"/>
+              </a:rPr>
+              <a:t>html</a:t>
+            </a:r>
+            <a:r>
+              <a:rPr lang="zh-CN" altLang="en-US" sz="1600" b="0">
+                <a:solidFill>
+                  <a:schemeClr val="bg2"/>
+                </a:solidFill>
+                <a:effectLst/>
+                <a:latin typeface="宋体" panose="02010600030101010101" pitchFamily="2" charset="-122"/>
+                <a:ea typeface="宋体" panose="02010600030101010101" pitchFamily="2" charset="-122"/>
+                <a:cs typeface="宋体" panose="02010600030101010101" pitchFamily="2" charset="-122"/>
+                <a:sym typeface="+mn-ea"/>
+              </a:rPr>
+              <a:t>章节提到</a:t>
+            </a:r>
+            <a:r>
+              <a:rPr lang="zh-CN" sz="1600" b="0">
+                <a:solidFill>
+                  <a:schemeClr val="bg2"/>
+                </a:solidFill>
+                <a:effectLst/>
+                <a:latin typeface="宋体" panose="02010600030101010101" pitchFamily="2" charset="-122"/>
+                <a:ea typeface="宋体" panose="02010600030101010101" pitchFamily="2" charset="-122"/>
+                <a:cs typeface="宋体" panose="02010600030101010101" pitchFamily="2" charset="-122"/>
+                <a:sym typeface="+mn-ea"/>
+              </a:rPr>
+              <a:t>含有</a:t>
+            </a:r>
+            <a:r>
+              <a:rPr lang="en-US" altLang="zh-CN" sz="1600" b="0">
+                <a:solidFill>
+                  <a:schemeClr val="bg2"/>
+                </a:solidFill>
+                <a:effectLst/>
+                <a:latin typeface="宋体" panose="02010600030101010101" pitchFamily="2" charset="-122"/>
+                <a:ea typeface="宋体" panose="02010600030101010101" pitchFamily="2" charset="-122"/>
+                <a:cs typeface="宋体" panose="02010600030101010101" pitchFamily="2" charset="-122"/>
+                <a:sym typeface="+mn-ea"/>
+              </a:rPr>
+              <a:t>href</a:t>
+            </a:r>
+            <a:r>
+              <a:rPr lang="zh-CN" altLang="en-US" sz="1600" b="0">
+                <a:solidFill>
+                  <a:schemeClr val="bg2"/>
+                </a:solidFill>
+                <a:effectLst/>
+                <a:latin typeface="宋体" panose="02010600030101010101" pitchFamily="2" charset="-122"/>
+                <a:ea typeface="宋体" panose="02010600030101010101" pitchFamily="2" charset="-122"/>
+                <a:cs typeface="宋体" panose="02010600030101010101" pitchFamily="2" charset="-122"/>
+                <a:sym typeface="+mn-ea"/>
+              </a:rPr>
+              <a:t>和</a:t>
+            </a:r>
+            <a:r>
+              <a:rPr lang="en-US" altLang="zh-CN" sz="1600" b="0">
+                <a:solidFill>
+                  <a:schemeClr val="bg2"/>
+                </a:solidFill>
+                <a:effectLst/>
+                <a:latin typeface="宋体" panose="02010600030101010101" pitchFamily="2" charset="-122"/>
+                <a:ea typeface="宋体" panose="02010600030101010101" pitchFamily="2" charset="-122"/>
+                <a:cs typeface="宋体" panose="02010600030101010101" pitchFamily="2" charset="-122"/>
+                <a:sym typeface="+mn-ea"/>
+              </a:rPr>
+              <a:t>src</a:t>
+            </a:r>
+            <a:r>
+              <a:rPr lang="zh-CN" altLang="en-US" sz="1600" b="0">
+                <a:solidFill>
+                  <a:schemeClr val="bg2"/>
+                </a:solidFill>
+                <a:effectLst/>
+                <a:latin typeface="宋体" panose="02010600030101010101" pitchFamily="2" charset="-122"/>
+                <a:ea typeface="宋体" panose="02010600030101010101" pitchFamily="2" charset="-122"/>
+                <a:cs typeface="宋体" panose="02010600030101010101" pitchFamily="2" charset="-122"/>
+                <a:sym typeface="+mn-ea"/>
+              </a:rPr>
+              <a:t>的标签不受同源策略的影响。</a:t>
+            </a:r>
+            <a:endParaRPr lang="zh-CN" altLang="en-US" sz="1600" b="0">
+              <a:solidFill>
+                <a:schemeClr val="bg2"/>
+              </a:solidFill>
+              <a:effectLst/>
+              <a:latin typeface="宋体" panose="02010600030101010101" pitchFamily="2" charset="-122"/>
+              <a:ea typeface="宋体" panose="02010600030101010101" pitchFamily="2" charset="-122"/>
+              <a:cs typeface="宋体" panose="02010600030101010101" pitchFamily="2" charset="-122"/>
+              <a:sym typeface="+mn-ea"/>
+            </a:endParaRPr>
+          </a:p>
+          <a:p>
+            <a:pPr algn="l"/>
+            <a:endParaRPr lang="en-US" altLang="zh-CN" sz="1600" b="0">
+              <a:solidFill>
+                <a:schemeClr val="bg2"/>
+              </a:solidFill>
+              <a:effectLst/>
+              <a:latin typeface="宋体" panose="02010600030101010101" pitchFamily="2" charset="-122"/>
+              <a:ea typeface="宋体" panose="02010600030101010101" pitchFamily="2" charset="-122"/>
+              <a:cs typeface="宋体" panose="02010600030101010101" pitchFamily="2" charset="-122"/>
+            </a:endParaRPr>
+          </a:p>
+          <a:p>
+            <a:pPr algn="l"/>
+            <a:r>
+              <a:rPr lang="en-US" altLang="zh-CN" sz="1600" b="0">
+                <a:solidFill>
+                  <a:schemeClr val="bg2"/>
+                </a:solidFill>
+                <a:effectLst/>
+                <a:latin typeface="宋体" panose="02010600030101010101" pitchFamily="2" charset="-122"/>
+                <a:ea typeface="宋体" panose="02010600030101010101" pitchFamily="2" charset="-122"/>
+                <a:cs typeface="宋体" panose="02010600030101010101" pitchFamily="2" charset="-122"/>
+              </a:rPr>
+              <a:t>    所以我们可以借助</a:t>
+            </a:r>
+            <a:r>
+              <a:rPr lang="zh-CN" altLang="en-US" sz="1600" b="0">
+                <a:solidFill>
+                  <a:schemeClr val="bg2"/>
+                </a:solidFill>
+                <a:effectLst/>
+                <a:latin typeface="宋体" panose="02010600030101010101" pitchFamily="2" charset="-122"/>
+                <a:ea typeface="宋体" panose="02010600030101010101" pitchFamily="2" charset="-122"/>
+                <a:cs typeface="宋体" panose="02010600030101010101" pitchFamily="2" charset="-122"/>
+              </a:rPr>
+              <a:t>不受同源策略影响的标签，这种方法被成为</a:t>
+            </a:r>
+            <a:r>
+              <a:rPr lang="en-US" altLang="zh-CN" sz="1600" b="0">
+                <a:solidFill>
+                  <a:schemeClr val="bg2"/>
+                </a:solidFill>
+                <a:effectLst/>
+                <a:latin typeface="宋体" panose="02010600030101010101" pitchFamily="2" charset="-122"/>
+                <a:ea typeface="宋体" panose="02010600030101010101" pitchFamily="2" charset="-122"/>
+                <a:cs typeface="宋体" panose="02010600030101010101" pitchFamily="2" charset="-122"/>
+              </a:rPr>
+              <a:t>jsonp</a:t>
+            </a:r>
+            <a:r>
+              <a:rPr lang="zh-CN" altLang="en-US" sz="1600" b="0">
+                <a:solidFill>
+                  <a:schemeClr val="bg2"/>
+                </a:solidFill>
+                <a:effectLst/>
+                <a:latin typeface="宋体" panose="02010600030101010101" pitchFamily="2" charset="-122"/>
+                <a:ea typeface="宋体" panose="02010600030101010101" pitchFamily="2" charset="-122"/>
+                <a:cs typeface="宋体" panose="02010600030101010101" pitchFamily="2" charset="-122"/>
+              </a:rPr>
+              <a:t>。</a:t>
+            </a:r>
+            <a:endParaRPr lang="zh-CN" altLang="en-US" sz="1600" b="0">
+              <a:solidFill>
+                <a:schemeClr val="bg2"/>
+              </a:solidFill>
+              <a:effectLst/>
+              <a:latin typeface="宋体" panose="02010600030101010101" pitchFamily="2" charset="-122"/>
+              <a:ea typeface="宋体" panose="02010600030101010101" pitchFamily="2" charset="-122"/>
+              <a:cs typeface="宋体" panose="02010600030101010101" pitchFamily="2" charset="-122"/>
+            </a:endParaRPr>
+          </a:p>
+          <a:p>
+            <a:pPr algn="l"/>
+            <a:endParaRPr lang="zh-CN" altLang="en-US" sz="1600" b="0">
+              <a:solidFill>
+                <a:schemeClr val="bg2"/>
+              </a:solidFill>
+              <a:effectLst/>
+              <a:latin typeface="宋体" panose="02010600030101010101" pitchFamily="2" charset="-122"/>
+              <a:ea typeface="宋体" panose="02010600030101010101" pitchFamily="2" charset="-122"/>
+              <a:cs typeface="宋体" panose="02010600030101010101" pitchFamily="2" charset="-122"/>
+            </a:endParaRPr>
+          </a:p>
+          <a:p>
+            <a:pPr algn="l"/>
+            <a:r>
+              <a:rPr lang="zh-CN" altLang="en-US" sz="1600" b="0">
+                <a:solidFill>
+                  <a:schemeClr val="bg2"/>
+                </a:solidFill>
+                <a:effectLst/>
+                <a:latin typeface="宋体" panose="02010600030101010101" pitchFamily="2" charset="-122"/>
+                <a:ea typeface="宋体" panose="02010600030101010101" pitchFamily="2" charset="-122"/>
+                <a:cs typeface="宋体" panose="02010600030101010101" pitchFamily="2" charset="-122"/>
+              </a:rPr>
+              <a:t>    JSONP的原理很简单，就是利用&lt;script&gt;标签没有跨域限制的漏洞。通过 &lt;script&gt; 标签指向一个需要访问的地址并提供一个回调函数来接收数据当需要通讯时。</a:t>
+            </a:r>
+            <a:endParaRPr lang="zh-CN" altLang="en-US" sz="1600" b="0">
+              <a:solidFill>
+                <a:schemeClr val="bg2"/>
+              </a:solidFill>
+              <a:effectLst/>
+              <a:latin typeface="宋体" panose="02010600030101010101" pitchFamily="2" charset="-122"/>
+              <a:ea typeface="宋体" panose="02010600030101010101" pitchFamily="2" charset="-122"/>
+              <a:cs typeface="宋体" panose="02010600030101010101" pitchFamily="2" charset="-122"/>
+            </a:endParaRPr>
+          </a:p>
+          <a:p>
+            <a:pPr algn="l"/>
+            <a:endParaRPr lang="zh-CN" altLang="en-US" sz="1600" b="0">
+              <a:solidFill>
+                <a:schemeClr val="bg2"/>
+              </a:solidFill>
+              <a:effectLst/>
+              <a:latin typeface="宋体" panose="02010600030101010101" pitchFamily="2" charset="-122"/>
+              <a:ea typeface="宋体" panose="02010600030101010101" pitchFamily="2" charset="-122"/>
+              <a:cs typeface="宋体" panose="02010600030101010101" pitchFamily="2" charset="-122"/>
+            </a:endParaRPr>
+          </a:p>
+          <a:p>
+            <a:pPr algn="l"/>
+            <a:r>
+              <a:rPr lang="zh-CN" altLang="en-US" sz="1600" b="0">
+                <a:solidFill>
+                  <a:schemeClr val="bg2"/>
+                </a:solidFill>
+                <a:effectLst/>
+                <a:latin typeface="宋体" panose="02010600030101010101" pitchFamily="2" charset="-122"/>
+                <a:ea typeface="宋体" panose="02010600030101010101" pitchFamily="2" charset="-122"/>
+                <a:cs typeface="宋体" panose="02010600030101010101" pitchFamily="2" charset="-122"/>
+              </a:rPr>
+              <a:t>优点：</a:t>
+            </a:r>
+            <a:endParaRPr lang="zh-CN" altLang="en-US" sz="1600" b="0">
+              <a:solidFill>
+                <a:schemeClr val="bg2"/>
+              </a:solidFill>
+              <a:effectLst/>
+              <a:latin typeface="宋体" panose="02010600030101010101" pitchFamily="2" charset="-122"/>
+              <a:ea typeface="宋体" panose="02010600030101010101" pitchFamily="2" charset="-122"/>
+              <a:cs typeface="宋体" panose="02010600030101010101" pitchFamily="2" charset="-122"/>
+            </a:endParaRPr>
+          </a:p>
+          <a:p>
+            <a:pPr algn="l"/>
+            <a:r>
+              <a:rPr lang="zh-CN" altLang="en-US" sz="1600" b="0">
+                <a:solidFill>
+                  <a:schemeClr val="bg2"/>
+                </a:solidFill>
+                <a:effectLst/>
+                <a:latin typeface="宋体" panose="02010600030101010101" pitchFamily="2" charset="-122"/>
+                <a:ea typeface="宋体" panose="02010600030101010101" pitchFamily="2" charset="-122"/>
+                <a:cs typeface="宋体" panose="02010600030101010101" pitchFamily="2" charset="-122"/>
+              </a:rPr>
+              <a:t>    1. 它不像XMLHttpRequest 对象实现 Ajax 请求那样受到同源策略的限制</a:t>
+            </a:r>
+            <a:endParaRPr lang="zh-CN" altLang="en-US" sz="1600" b="0">
+              <a:solidFill>
+                <a:schemeClr val="bg2"/>
+              </a:solidFill>
+              <a:effectLst/>
+              <a:latin typeface="宋体" panose="02010600030101010101" pitchFamily="2" charset="-122"/>
+              <a:ea typeface="宋体" panose="02010600030101010101" pitchFamily="2" charset="-122"/>
+              <a:cs typeface="宋体" panose="02010600030101010101" pitchFamily="2" charset="-122"/>
+            </a:endParaRPr>
+          </a:p>
+          <a:p>
+            <a:pPr algn="l"/>
+            <a:r>
+              <a:rPr lang="zh-CN" altLang="en-US" sz="1600" b="0">
+                <a:solidFill>
+                  <a:schemeClr val="bg2"/>
+                </a:solidFill>
+                <a:effectLst/>
+                <a:latin typeface="宋体" panose="02010600030101010101" pitchFamily="2" charset="-122"/>
+                <a:ea typeface="宋体" panose="02010600030101010101" pitchFamily="2" charset="-122"/>
+                <a:cs typeface="宋体" panose="02010600030101010101" pitchFamily="2" charset="-122"/>
+              </a:rPr>
+              <a:t>    2. 兼容性很好，在古老的浏览器也能很好的运行</a:t>
+            </a:r>
+            <a:endParaRPr lang="zh-CN" altLang="en-US" sz="1600" b="0">
+              <a:solidFill>
+                <a:schemeClr val="bg2"/>
+              </a:solidFill>
+              <a:effectLst/>
+              <a:latin typeface="宋体" panose="02010600030101010101" pitchFamily="2" charset="-122"/>
+              <a:ea typeface="宋体" panose="02010600030101010101" pitchFamily="2" charset="-122"/>
+              <a:cs typeface="宋体" panose="02010600030101010101" pitchFamily="2" charset="-122"/>
+            </a:endParaRPr>
+          </a:p>
+          <a:p>
+            <a:pPr algn="l"/>
+            <a:r>
+              <a:rPr lang="zh-CN" altLang="en-US" sz="1600" b="0">
+                <a:solidFill>
+                  <a:schemeClr val="bg2"/>
+                </a:solidFill>
+                <a:effectLst/>
+                <a:latin typeface="宋体" panose="02010600030101010101" pitchFamily="2" charset="-122"/>
+                <a:ea typeface="宋体" panose="02010600030101010101" pitchFamily="2" charset="-122"/>
+                <a:cs typeface="宋体" panose="02010600030101010101" pitchFamily="2" charset="-122"/>
+              </a:rPr>
+              <a:t>    3. 不需要 XMLHttpRequest 或 ActiveX 的支持；并且在请求完毕后可以通过调用 callback 的方式回传结果。</a:t>
+            </a:r>
+            <a:endParaRPr lang="zh-CN" altLang="en-US" sz="1600" b="0">
+              <a:solidFill>
+                <a:schemeClr val="bg2"/>
+              </a:solidFill>
+              <a:effectLst/>
+              <a:latin typeface="宋体" panose="02010600030101010101" pitchFamily="2" charset="-122"/>
+              <a:ea typeface="宋体" panose="02010600030101010101" pitchFamily="2" charset="-122"/>
+              <a:cs typeface="宋体" panose="02010600030101010101" pitchFamily="2" charset="-122"/>
+            </a:endParaRPr>
+          </a:p>
+          <a:p>
+            <a:pPr algn="l"/>
+            <a:r>
+              <a:rPr lang="zh-CN" altLang="en-US" sz="1600" b="0">
+                <a:solidFill>
+                  <a:schemeClr val="bg2"/>
+                </a:solidFill>
+                <a:effectLst/>
+                <a:latin typeface="宋体" panose="02010600030101010101" pitchFamily="2" charset="-122"/>
+                <a:ea typeface="宋体" panose="02010600030101010101" pitchFamily="2" charset="-122"/>
+                <a:cs typeface="宋体" panose="02010600030101010101" pitchFamily="2" charset="-122"/>
+              </a:rPr>
+              <a:t>缺点：</a:t>
+            </a:r>
+            <a:endParaRPr lang="zh-CN" altLang="en-US" sz="1600" b="0">
+              <a:solidFill>
+                <a:schemeClr val="bg2"/>
+              </a:solidFill>
+              <a:effectLst/>
+              <a:latin typeface="宋体" panose="02010600030101010101" pitchFamily="2" charset="-122"/>
+              <a:ea typeface="宋体" panose="02010600030101010101" pitchFamily="2" charset="-122"/>
+              <a:cs typeface="宋体" panose="02010600030101010101" pitchFamily="2" charset="-122"/>
+            </a:endParaRPr>
+          </a:p>
+          <a:p>
+            <a:pPr algn="l"/>
+            <a:r>
+              <a:rPr lang="zh-CN" altLang="en-US" sz="1600" b="0">
+                <a:solidFill>
+                  <a:schemeClr val="bg2"/>
+                </a:solidFill>
+                <a:effectLst/>
+                <a:latin typeface="宋体" panose="02010600030101010101" pitchFamily="2" charset="-122"/>
+                <a:ea typeface="宋体" panose="02010600030101010101" pitchFamily="2" charset="-122"/>
+                <a:cs typeface="宋体" panose="02010600030101010101" pitchFamily="2" charset="-122"/>
+              </a:rPr>
+              <a:t>    1. 它支持 GET 请求而不支持 POST 等其它类行的 HTTP 请求。</a:t>
+            </a:r>
+            <a:endParaRPr lang="zh-CN" altLang="en-US" sz="1600" b="0">
+              <a:solidFill>
+                <a:schemeClr val="bg2"/>
+              </a:solidFill>
+              <a:effectLst/>
+              <a:latin typeface="宋体" panose="02010600030101010101" pitchFamily="2" charset="-122"/>
+              <a:ea typeface="宋体" panose="02010600030101010101" pitchFamily="2" charset="-122"/>
+              <a:cs typeface="宋体" panose="02010600030101010101" pitchFamily="2" charset="-122"/>
+            </a:endParaRPr>
+          </a:p>
+          <a:p>
+            <a:pPr algn="l"/>
+            <a:r>
+              <a:rPr lang="zh-CN" altLang="en-US" sz="1600" b="0">
+                <a:solidFill>
+                  <a:schemeClr val="bg2"/>
+                </a:solidFill>
+                <a:effectLst/>
+                <a:latin typeface="宋体" panose="02010600030101010101" pitchFamily="2" charset="-122"/>
+                <a:ea typeface="宋体" panose="02010600030101010101" pitchFamily="2" charset="-122"/>
+                <a:cs typeface="宋体" panose="02010600030101010101" pitchFamily="2" charset="-122"/>
+              </a:rPr>
+              <a:t>    2. 它只支持跨域 HTTP 请求这种情况，不能解决不同域的两个页面或 iframe 之间进行数据通信的问题</a:t>
+            </a:r>
+            <a:endParaRPr lang="zh-CN" altLang="en-US" sz="1600" b="0">
+              <a:solidFill>
+                <a:schemeClr val="bg2"/>
+              </a:solidFill>
+              <a:effectLst/>
+              <a:latin typeface="宋体" panose="02010600030101010101" pitchFamily="2" charset="-122"/>
+              <a:ea typeface="宋体" panose="02010600030101010101" pitchFamily="2" charset="-122"/>
+              <a:cs typeface="宋体" panose="02010600030101010101" pitchFamily="2" charset="-122"/>
+            </a:endParaRPr>
+          </a:p>
+          <a:p>
+            <a:pPr algn="l"/>
+            <a:endParaRPr lang="zh-CN" altLang="en-US" sz="1600" b="0">
+              <a:solidFill>
+                <a:schemeClr val="bg2"/>
+              </a:solidFill>
+              <a:effectLst/>
+              <a:latin typeface="宋体" panose="02010600030101010101" pitchFamily="2" charset="-122"/>
+              <a:ea typeface="宋体" panose="02010600030101010101" pitchFamily="2" charset="-122"/>
+              <a:cs typeface="宋体" panose="02010600030101010101" pitchFamily="2" charset="-122"/>
+            </a:endParaRPr>
+          </a:p>
+          <a:p>
+            <a:pPr algn="l"/>
+            <a:endParaRPr lang="zh-CN" altLang="en-US" sz="1600" b="0">
+              <a:solidFill>
+                <a:schemeClr val="bg2"/>
+              </a:solidFill>
+              <a:effectLst/>
+              <a:latin typeface="宋体" panose="02010600030101010101" pitchFamily="2" charset="-122"/>
+              <a:ea typeface="宋体" panose="02010600030101010101" pitchFamily="2" charset="-122"/>
+              <a:cs typeface="宋体" panose="02010600030101010101" pitchFamily="2" charset="-122"/>
+            </a:endParaRPr>
+          </a:p>
+          <a:p>
+            <a:pPr algn="l"/>
+            <a:r>
+              <a:rPr lang="zh-CN" altLang="en-US" sz="1600" b="0">
+                <a:solidFill>
+                  <a:schemeClr val="bg2"/>
+                </a:solidFill>
+                <a:effectLst/>
+                <a:latin typeface="宋体" panose="02010600030101010101" pitchFamily="2" charset="-122"/>
+                <a:ea typeface="宋体" panose="02010600030101010101" pitchFamily="2" charset="-122"/>
+                <a:cs typeface="宋体" panose="02010600030101010101" pitchFamily="2" charset="-122"/>
+                <a:sym typeface="+mn-ea"/>
+              </a:rPr>
+              <a:t>此处查看一个基于</a:t>
+            </a:r>
+            <a:r>
+              <a:rPr lang="en-US" altLang="zh-CN" sz="1600" b="0">
+                <a:solidFill>
+                  <a:schemeClr val="bg2"/>
+                </a:solidFill>
+                <a:effectLst/>
+                <a:latin typeface="宋体" panose="02010600030101010101" pitchFamily="2" charset="-122"/>
+                <a:ea typeface="宋体" panose="02010600030101010101" pitchFamily="2" charset="-122"/>
+                <a:cs typeface="宋体" panose="02010600030101010101" pitchFamily="2" charset="-122"/>
+                <a:sym typeface="+mn-ea"/>
+              </a:rPr>
+              <a:t>nodejs</a:t>
+            </a:r>
+            <a:r>
+              <a:rPr lang="zh-CN" altLang="en-US" sz="1600" b="0">
+                <a:solidFill>
+                  <a:schemeClr val="bg2"/>
+                </a:solidFill>
+                <a:effectLst/>
+                <a:latin typeface="宋体" panose="02010600030101010101" pitchFamily="2" charset="-122"/>
+                <a:ea typeface="宋体" panose="02010600030101010101" pitchFamily="2" charset="-122"/>
+                <a:cs typeface="宋体" panose="02010600030101010101" pitchFamily="2" charset="-122"/>
+                <a:sym typeface="+mn-ea"/>
+              </a:rPr>
+              <a:t>的例子。</a:t>
+            </a:r>
+            <a:endParaRPr lang="zh-CN" altLang="en-US" sz="1600" b="0">
+              <a:solidFill>
+                <a:schemeClr val="bg2"/>
+              </a:solidFill>
+              <a:effectLst/>
+              <a:latin typeface="宋体" panose="02010600030101010101" pitchFamily="2" charset="-122"/>
+              <a:ea typeface="宋体" panose="02010600030101010101" pitchFamily="2" charset="-122"/>
+              <a:cs typeface="宋体" panose="02010600030101010101" pitchFamily="2" charset="-122"/>
+            </a:endParaRPr>
+          </a:p>
+          <a:p>
+            <a:pPr algn="l"/>
+            <a:endParaRPr lang="zh-CN" altLang="en-US" sz="1600" b="0">
+              <a:solidFill>
+                <a:schemeClr val="bg2"/>
+              </a:solidFill>
+              <a:effectLst/>
+              <a:latin typeface="宋体" panose="02010600030101010101" pitchFamily="2" charset="-122"/>
+              <a:ea typeface="宋体" panose="02010600030101010101" pitchFamily="2" charset="-122"/>
+              <a:cs typeface="宋体" panose="02010600030101010101" pitchFamily="2" charset="-122"/>
+            </a:endParaRPr>
+          </a:p>
+        </p:txBody>
+      </p:sp>
+      <p:sp>
+        <p:nvSpPr>
+          <p:cNvPr id="7" name="Rectangle 2"/>
+          <p:cNvSpPr txBox="1">
+            <a:spLocks noChangeArrowheads="1"/>
+          </p:cNvSpPr>
+          <p:nvPr/>
+        </p:nvSpPr>
+        <p:spPr bwMode="auto">
+          <a:xfrm>
+            <a:off x="404502" y="323131"/>
+            <a:ext cx="4896468" cy="576064"/>
+          </a:xfrm>
+          <a:prstGeom prst="rect">
+            <a:avLst/>
+          </a:prstGeom>
+          <a:gradFill flip="none" rotWithShape="1">
+            <a:gsLst>
+              <a:gs pos="0">
+                <a:srgbClr val="03D4A8"/>
+              </a:gs>
+              <a:gs pos="25000">
+                <a:srgbClr val="21D6E0"/>
+              </a:gs>
+              <a:gs pos="75000">
+                <a:srgbClr val="0087E6"/>
+              </a:gs>
+              <a:gs pos="100000">
+                <a:srgbClr val="005CBF"/>
+              </a:gs>
+            </a:gsLst>
+            <a:lin ang="8100000" scaled="1"/>
+            <a:tileRect/>
+          </a:gradFill>
+          <a:ln w="9525" cap="flat" cmpd="sng" algn="ctr">
+            <a:noFill/>
+            <a:prstDash val="solid"/>
+            <a:round/>
+            <a:headEnd type="none" w="med" len="med"/>
+            <a:tailEnd type="none" w="med" len="med"/>
+          </a:ln>
+          <a:effectLst/>
+        </p:spPr>
+        <p:txBody>
+          <a:bodyPr wrap="none"/>
+          <a:lstStyle>
+            <a:defPPr>
+              <a:defRPr lang="en-US"/>
+            </a:defPPr>
+            <a:lvl1pPr marL="0" marR="0" indent="0" algn="l" defTabSz="914400" eaLnBrk="1" latinLnBrk="0" hangingPunct="1">
+              <a:lnSpc>
+                <a:spcPct val="100000"/>
+              </a:lnSpc>
+              <a:buClrTx/>
+              <a:buSzTx/>
+              <a:buFontTx/>
+              <a:buNone/>
+              <a:defRPr sz="2800" b="0" i="0" u="none" strike="noStrike" normalizeH="0" baseline="0">
+                <a:ln w="18415" cmpd="sng">
+                  <a:solidFill>
+                    <a:srgbClr val="FFFFFF"/>
+                  </a:solidFill>
+                  <a:prstDash val="solid"/>
+                </a:ln>
+                <a:solidFill>
+                  <a:srgbClr val="FFFFFF"/>
+                </a:solidFill>
+                <a:effectLst>
+                  <a:outerShdw blurRad="25400" dist="12700" algn="ctr" rotWithShape="0">
+                    <a:schemeClr val="bg2">
+                      <a:lumMod val="75000"/>
+                      <a:lumOff val="25000"/>
+                    </a:schemeClr>
+                  </a:outerShdw>
+                </a:effectLst>
+                <a:latin typeface="黑体" panose="02010609060101010101" pitchFamily="49" charset="-122"/>
+                <a:ea typeface="黑体" panose="02010609060101010101" pitchFamily="49" charset="-122"/>
+                <a:cs typeface="经典粗圆简" panose="02010609000101010101" pitchFamily="49" charset="-122"/>
+              </a:defRPr>
+            </a:lvl1pPr>
+          </a:lstStyle>
+          <a:p>
+            <a:pPr algn="l"/>
+            <a:r>
+              <a:rPr lang="en-US" altLang="zh-CN" dirty="0">
+                <a:latin typeface="楷体" panose="02010609060101010101" charset="-122"/>
+                <a:ea typeface="楷体" panose="02010609060101010101" charset="-122"/>
+                <a:cs typeface="楷体" panose="02010609060101010101" charset="-122"/>
+              </a:rPr>
+              <a:t>  jsonp</a:t>
+            </a:r>
+            <a:endParaRPr lang="en-US" altLang="zh-CN" dirty="0">
+              <a:latin typeface="楷体" panose="02010609060101010101" charset="-122"/>
+              <a:ea typeface="楷体" panose="02010609060101010101" charset="-122"/>
+              <a:cs typeface="楷体" panose="02010609060101010101" charset="-122"/>
+            </a:endParaRPr>
+          </a:p>
+        </p:txBody>
+      </p:sp>
+    </p:spTree>
+  </p:cSld>
+  <p:clrMapOvr>
+    <a:masterClrMapping/>
+  </p:clrMapOvr>
+  <p:transition advTm="11500"/>
+</p:sld>
+</file>
+
+<file path=ppt/slides/slide21.xml><?xml version="1.0" encoding="utf-8"?>
+<p:sld xmlns:a="http://schemas.openxmlformats.org/drawingml/2006/main" xmlns:r="http://schemas.openxmlformats.org/officeDocument/2006/relationships" xmlns:p="http://schemas.openxmlformats.org/presentationml/2006/main">
+  <p:cSld>
+    <p:spTree>
+      <p:nvGrpSpPr>
+        <p:cNvPr id="1" name=""/>
+        <p:cNvGrpSpPr/>
+        <p:nvPr/>
+      </p:nvGrpSpPr>
+      <p:grpSpPr/>
+      <p:sp>
+        <p:nvSpPr>
+          <p:cNvPr id="7" name="Rectangle 2"/>
+          <p:cNvSpPr txBox="1">
+            <a:spLocks noChangeArrowheads="1"/>
+          </p:cNvSpPr>
+          <p:nvPr/>
+        </p:nvSpPr>
+        <p:spPr bwMode="auto">
+          <a:xfrm>
+            <a:off x="404502" y="323131"/>
+            <a:ext cx="4896468" cy="576064"/>
+          </a:xfrm>
+          <a:prstGeom prst="rect">
+            <a:avLst/>
+          </a:prstGeom>
+          <a:gradFill flip="none" rotWithShape="1">
+            <a:gsLst>
+              <a:gs pos="0">
+                <a:srgbClr val="03D4A8"/>
+              </a:gs>
+              <a:gs pos="25000">
+                <a:srgbClr val="21D6E0"/>
+              </a:gs>
+              <a:gs pos="75000">
+                <a:srgbClr val="0087E6"/>
+              </a:gs>
+              <a:gs pos="100000">
+                <a:srgbClr val="005CBF"/>
+              </a:gs>
+            </a:gsLst>
+            <a:lin ang="8100000" scaled="1"/>
+            <a:tileRect/>
+          </a:gradFill>
+          <a:ln w="9525" cap="flat" cmpd="sng" algn="ctr">
+            <a:noFill/>
+            <a:prstDash val="solid"/>
+            <a:round/>
+            <a:headEnd type="none" w="med" len="med"/>
+            <a:tailEnd type="none" w="med" len="med"/>
+          </a:ln>
+          <a:effectLst/>
+        </p:spPr>
+        <p:txBody>
+          <a:bodyPr wrap="none"/>
+          <a:lstStyle>
+            <a:defPPr>
+              <a:defRPr lang="en-US"/>
+            </a:defPPr>
+            <a:lvl1pPr marL="0" marR="0" indent="0" algn="l" defTabSz="914400" eaLnBrk="1" latinLnBrk="0" hangingPunct="1">
+              <a:lnSpc>
+                <a:spcPct val="100000"/>
+              </a:lnSpc>
+              <a:buClrTx/>
+              <a:buSzTx/>
+              <a:buFontTx/>
+              <a:buNone/>
+              <a:defRPr sz="2800" b="0" i="0" u="none" strike="noStrike" normalizeH="0" baseline="0">
+                <a:ln w="18415" cmpd="sng">
+                  <a:solidFill>
+                    <a:srgbClr val="FFFFFF"/>
+                  </a:solidFill>
+                  <a:prstDash val="solid"/>
+                </a:ln>
+                <a:solidFill>
+                  <a:srgbClr val="FFFFFF"/>
+                </a:solidFill>
+                <a:effectLst>
+                  <a:outerShdw blurRad="25400" dist="12700" algn="ctr" rotWithShape="0">
+                    <a:schemeClr val="bg2">
+                      <a:lumMod val="75000"/>
+                      <a:lumOff val="25000"/>
+                    </a:schemeClr>
+                  </a:outerShdw>
+                </a:effectLst>
+                <a:latin typeface="黑体" panose="02010609060101010101" pitchFamily="49" charset="-122"/>
+                <a:ea typeface="黑体" panose="02010609060101010101" pitchFamily="49" charset="-122"/>
+                <a:cs typeface="经典粗圆简" panose="02010609000101010101" pitchFamily="49" charset="-122"/>
+              </a:defRPr>
+            </a:lvl1pPr>
+          </a:lstStyle>
+          <a:p>
+            <a:pPr algn="l"/>
+            <a:r>
+              <a:rPr lang="en-US" altLang="zh-CN" dirty="0">
+                <a:latin typeface="楷体" panose="02010609060101010101" charset="-122"/>
+                <a:ea typeface="楷体" panose="02010609060101010101" charset="-122"/>
+                <a:cs typeface="楷体" panose="02010609060101010101" charset="-122"/>
+              </a:rPr>
+              <a:t>  CORS</a:t>
+            </a:r>
+            <a:endParaRPr lang="en-US" altLang="zh-CN" dirty="0">
+              <a:latin typeface="楷体" panose="02010609060101010101" charset="-122"/>
+              <a:ea typeface="楷体" panose="02010609060101010101" charset="-122"/>
+              <a:cs typeface="楷体" panose="02010609060101010101" charset="-122"/>
+            </a:endParaRPr>
+          </a:p>
+        </p:txBody>
+      </p:sp>
+      <p:sp>
+        <p:nvSpPr>
+          <p:cNvPr id="2" name="文本框 1"/>
+          <p:cNvSpPr txBox="1"/>
+          <p:nvPr/>
+        </p:nvSpPr>
+        <p:spPr>
+          <a:xfrm>
+            <a:off x="404495" y="1177925"/>
+            <a:ext cx="8321040" cy="4523105"/>
+          </a:xfrm>
+          <a:prstGeom prst="rect">
+            <a:avLst/>
+          </a:prstGeom>
+          <a:noFill/>
+        </p:spPr>
+        <p:txBody>
+          <a:bodyPr wrap="square" rtlCol="0" anchor="t">
+            <a:spAutoFit/>
+          </a:bodyPr>
+          <a:p>
+            <a:pPr algn="l"/>
+            <a:r>
+              <a:rPr lang="en-US" altLang="zh-CN" sz="1600" b="0">
+                <a:solidFill>
+                  <a:schemeClr val="bg2"/>
+                </a:solidFill>
+                <a:effectLst/>
+                <a:latin typeface="宋体" panose="02010600030101010101" pitchFamily="2" charset="-122"/>
+                <a:ea typeface="宋体" panose="02010600030101010101" pitchFamily="2" charset="-122"/>
+                <a:cs typeface="宋体" panose="02010600030101010101" pitchFamily="2" charset="-122"/>
+              </a:rPr>
+              <a:t>    </a:t>
+            </a:r>
+            <a:r>
+              <a:rPr lang="zh-CN" altLang="en-US" sz="1600" b="0">
+                <a:solidFill>
+                  <a:schemeClr val="bg2"/>
+                </a:solidFill>
+                <a:effectLst/>
+                <a:latin typeface="宋体" panose="02010600030101010101" pitchFamily="2" charset="-122"/>
+                <a:ea typeface="宋体" panose="02010600030101010101" pitchFamily="2" charset="-122"/>
+                <a:cs typeface="宋体" panose="02010600030101010101" pitchFamily="2" charset="-122"/>
+              </a:rPr>
+              <a:t>CORS是一个W3C标准，全称是“跨域资源共享”，允许浏览器向跨源服务器发出XMLHttpRequest请求。</a:t>
+            </a:r>
+            <a:endParaRPr lang="zh-CN" altLang="en-US" sz="1600" b="0">
+              <a:solidFill>
+                <a:schemeClr val="bg2"/>
+              </a:solidFill>
+              <a:effectLst/>
+              <a:latin typeface="宋体" panose="02010600030101010101" pitchFamily="2" charset="-122"/>
+              <a:ea typeface="宋体" panose="02010600030101010101" pitchFamily="2" charset="-122"/>
+              <a:cs typeface="宋体" panose="02010600030101010101" pitchFamily="2" charset="-122"/>
+            </a:endParaRPr>
+          </a:p>
+          <a:p>
+            <a:pPr algn="l"/>
+            <a:endParaRPr lang="zh-CN" altLang="en-US" sz="1600" b="0">
+              <a:solidFill>
+                <a:schemeClr val="bg2"/>
+              </a:solidFill>
+              <a:effectLst/>
+              <a:latin typeface="宋体" panose="02010600030101010101" pitchFamily="2" charset="-122"/>
+              <a:ea typeface="宋体" panose="02010600030101010101" pitchFamily="2" charset="-122"/>
+              <a:cs typeface="宋体" panose="02010600030101010101" pitchFamily="2" charset="-122"/>
+            </a:endParaRPr>
+          </a:p>
+          <a:p>
+            <a:pPr algn="l"/>
+            <a:r>
+              <a:rPr lang="zh-CN" altLang="en-US" sz="1600" b="0">
+                <a:solidFill>
+                  <a:schemeClr val="bg2"/>
+                </a:solidFill>
+                <a:effectLst/>
+                <a:latin typeface="宋体" panose="02010600030101010101" pitchFamily="2" charset="-122"/>
+                <a:ea typeface="宋体" panose="02010600030101010101" pitchFamily="2" charset="-122"/>
+                <a:cs typeface="宋体" panose="02010600030101010101" pitchFamily="2" charset="-122"/>
+              </a:rPr>
+              <a:t>    CORS 需要浏览器和后端同时支持。IE 8 和 9 需要通过 XDomainRequest 来实现。</a:t>
+            </a:r>
+            <a:endParaRPr lang="zh-CN" altLang="en-US" sz="1600" b="0">
+              <a:solidFill>
+                <a:schemeClr val="bg2"/>
+              </a:solidFill>
+              <a:effectLst/>
+              <a:latin typeface="宋体" panose="02010600030101010101" pitchFamily="2" charset="-122"/>
+              <a:ea typeface="宋体" panose="02010600030101010101" pitchFamily="2" charset="-122"/>
+              <a:cs typeface="宋体" panose="02010600030101010101" pitchFamily="2" charset="-122"/>
+            </a:endParaRPr>
+          </a:p>
+          <a:p>
+            <a:pPr algn="l"/>
+            <a:endParaRPr lang="zh-CN" altLang="en-US" sz="1600" b="0">
+              <a:solidFill>
+                <a:schemeClr val="bg2"/>
+              </a:solidFill>
+              <a:effectLst/>
+              <a:latin typeface="宋体" panose="02010600030101010101" pitchFamily="2" charset="-122"/>
+              <a:ea typeface="宋体" panose="02010600030101010101" pitchFamily="2" charset="-122"/>
+              <a:cs typeface="宋体" panose="02010600030101010101" pitchFamily="2" charset="-122"/>
+            </a:endParaRPr>
+          </a:p>
+          <a:p>
+            <a:pPr algn="l"/>
+            <a:r>
+              <a:rPr lang="zh-CN" altLang="en-US" sz="1600" b="0">
+                <a:solidFill>
+                  <a:schemeClr val="bg2"/>
+                </a:solidFill>
+                <a:effectLst/>
+                <a:latin typeface="宋体" panose="02010600030101010101" pitchFamily="2" charset="-122"/>
+                <a:ea typeface="宋体" panose="02010600030101010101" pitchFamily="2" charset="-122"/>
+                <a:cs typeface="宋体" panose="02010600030101010101" pitchFamily="2" charset="-122"/>
+              </a:rPr>
+              <a:t>    浏览器会自动进行 CORS 通信，实现 CORS 通信的关键是后端。只要后端实现了 CORS，就实现了跨域。</a:t>
+            </a:r>
+            <a:endParaRPr lang="zh-CN" altLang="en-US" sz="1600" b="0">
+              <a:solidFill>
+                <a:schemeClr val="bg2"/>
+              </a:solidFill>
+              <a:effectLst/>
+              <a:latin typeface="宋体" panose="02010600030101010101" pitchFamily="2" charset="-122"/>
+              <a:ea typeface="宋体" panose="02010600030101010101" pitchFamily="2" charset="-122"/>
+              <a:cs typeface="宋体" panose="02010600030101010101" pitchFamily="2" charset="-122"/>
+            </a:endParaRPr>
+          </a:p>
+          <a:p>
+            <a:pPr algn="l"/>
+            <a:endParaRPr lang="zh-CN" altLang="en-US" sz="1600" b="0">
+              <a:solidFill>
+                <a:schemeClr val="bg2"/>
+              </a:solidFill>
+              <a:effectLst/>
+              <a:latin typeface="宋体" panose="02010600030101010101" pitchFamily="2" charset="-122"/>
+              <a:ea typeface="宋体" panose="02010600030101010101" pitchFamily="2" charset="-122"/>
+              <a:cs typeface="宋体" panose="02010600030101010101" pitchFamily="2" charset="-122"/>
+            </a:endParaRPr>
+          </a:p>
+          <a:p>
+            <a:pPr algn="l"/>
+            <a:r>
+              <a:rPr lang="zh-CN" altLang="en-US" sz="1600" b="0">
+                <a:solidFill>
+                  <a:schemeClr val="bg2"/>
+                </a:solidFill>
+                <a:effectLst/>
+                <a:latin typeface="宋体" panose="02010600030101010101" pitchFamily="2" charset="-122"/>
+                <a:ea typeface="宋体" panose="02010600030101010101" pitchFamily="2" charset="-122"/>
+                <a:cs typeface="宋体" panose="02010600030101010101" pitchFamily="2" charset="-122"/>
+              </a:rPr>
+              <a:t>    服务端设置 </a:t>
+            </a:r>
+            <a:r>
+              <a:rPr lang="zh-CN" altLang="en-US" sz="1600">
+                <a:solidFill>
+                  <a:srgbClr val="00B0F0"/>
+                </a:solidFill>
+                <a:effectLst/>
+                <a:latin typeface="宋体" panose="02010600030101010101" pitchFamily="2" charset="-122"/>
+                <a:ea typeface="宋体" panose="02010600030101010101" pitchFamily="2" charset="-122"/>
+                <a:cs typeface="宋体" panose="02010600030101010101" pitchFamily="2" charset="-122"/>
+              </a:rPr>
+              <a:t>Access-Control-Allow-Origin</a:t>
+            </a:r>
+            <a:r>
+              <a:rPr lang="zh-CN" altLang="en-US" sz="1600" b="0">
+                <a:solidFill>
+                  <a:schemeClr val="bg2"/>
+                </a:solidFill>
+                <a:effectLst/>
+                <a:latin typeface="宋体" panose="02010600030101010101" pitchFamily="2" charset="-122"/>
+                <a:ea typeface="宋体" panose="02010600030101010101" pitchFamily="2" charset="-122"/>
+                <a:cs typeface="宋体" panose="02010600030101010101" pitchFamily="2" charset="-122"/>
+              </a:rPr>
+              <a:t> 就可以开启 CORS。 该属性表示哪些域名可以访问资源，如果设置通配符则表示所有网站都可以访问资源。</a:t>
+            </a:r>
+            <a:endParaRPr lang="zh-CN" altLang="en-US" sz="1600" b="0">
+              <a:solidFill>
+                <a:schemeClr val="bg2"/>
+              </a:solidFill>
+              <a:effectLst/>
+              <a:latin typeface="宋体" panose="02010600030101010101" pitchFamily="2" charset="-122"/>
+              <a:ea typeface="宋体" panose="02010600030101010101" pitchFamily="2" charset="-122"/>
+              <a:cs typeface="宋体" panose="02010600030101010101" pitchFamily="2" charset="-122"/>
+            </a:endParaRPr>
+          </a:p>
+          <a:p>
+            <a:pPr algn="l"/>
+            <a:endParaRPr lang="zh-CN" altLang="en-US" sz="1600" b="0">
+              <a:solidFill>
+                <a:schemeClr val="bg2"/>
+              </a:solidFill>
+              <a:effectLst/>
+              <a:latin typeface="宋体" panose="02010600030101010101" pitchFamily="2" charset="-122"/>
+              <a:ea typeface="宋体" panose="02010600030101010101" pitchFamily="2" charset="-122"/>
+              <a:cs typeface="宋体" panose="02010600030101010101" pitchFamily="2" charset="-122"/>
+            </a:endParaRPr>
+          </a:p>
+          <a:p>
+            <a:pPr algn="l"/>
+            <a:r>
+              <a:rPr lang="zh-CN" altLang="en-US" sz="1600" b="0">
+                <a:solidFill>
+                  <a:schemeClr val="bg2"/>
+                </a:solidFill>
+                <a:effectLst/>
+                <a:latin typeface="宋体" panose="02010600030101010101" pitchFamily="2" charset="-122"/>
+                <a:ea typeface="宋体" panose="02010600030101010101" pitchFamily="2" charset="-122"/>
+                <a:cs typeface="宋体" panose="02010600030101010101" pitchFamily="2" charset="-122"/>
+              </a:rPr>
+              <a:t>CORS 的优缺点：</a:t>
+            </a:r>
+            <a:endParaRPr lang="zh-CN" altLang="en-US" sz="1600" b="0">
+              <a:solidFill>
+                <a:schemeClr val="bg2"/>
+              </a:solidFill>
+              <a:effectLst/>
+              <a:latin typeface="宋体" panose="02010600030101010101" pitchFamily="2" charset="-122"/>
+              <a:ea typeface="宋体" panose="02010600030101010101" pitchFamily="2" charset="-122"/>
+              <a:cs typeface="宋体" panose="02010600030101010101" pitchFamily="2" charset="-122"/>
+            </a:endParaRPr>
+          </a:p>
+          <a:p>
+            <a:pPr algn="l"/>
+            <a:r>
+              <a:rPr lang="zh-CN" altLang="en-US" sz="1600" b="0">
+                <a:solidFill>
+                  <a:schemeClr val="bg2"/>
+                </a:solidFill>
+                <a:effectLst/>
+                <a:latin typeface="宋体" panose="02010600030101010101" pitchFamily="2" charset="-122"/>
+                <a:ea typeface="宋体" panose="02010600030101010101" pitchFamily="2" charset="-122"/>
+                <a:cs typeface="宋体" panose="02010600030101010101" pitchFamily="2" charset="-122"/>
+              </a:rPr>
+              <a:t>    1. 使用简单方便，更为安全</a:t>
+            </a:r>
+            <a:endParaRPr lang="zh-CN" altLang="en-US" sz="1600" b="0">
+              <a:solidFill>
+                <a:schemeClr val="bg2"/>
+              </a:solidFill>
+              <a:effectLst/>
+              <a:latin typeface="宋体" panose="02010600030101010101" pitchFamily="2" charset="-122"/>
+              <a:ea typeface="宋体" panose="02010600030101010101" pitchFamily="2" charset="-122"/>
+              <a:cs typeface="宋体" panose="02010600030101010101" pitchFamily="2" charset="-122"/>
+            </a:endParaRPr>
+          </a:p>
+          <a:p>
+            <a:pPr algn="l"/>
+            <a:r>
+              <a:rPr lang="zh-CN" altLang="en-US" sz="1600" b="0">
+                <a:solidFill>
+                  <a:schemeClr val="bg2"/>
+                </a:solidFill>
+                <a:effectLst/>
+                <a:latin typeface="宋体" panose="02010600030101010101" pitchFamily="2" charset="-122"/>
+                <a:ea typeface="宋体" panose="02010600030101010101" pitchFamily="2" charset="-122"/>
+                <a:cs typeface="宋体" panose="02010600030101010101" pitchFamily="2" charset="-122"/>
+              </a:rPr>
+              <a:t>    2. 支持 POST 请求方式</a:t>
+            </a:r>
+            <a:endParaRPr lang="zh-CN" altLang="en-US" sz="1600" b="0">
+              <a:solidFill>
+                <a:schemeClr val="bg2"/>
+              </a:solidFill>
+              <a:effectLst/>
+              <a:latin typeface="宋体" panose="02010600030101010101" pitchFamily="2" charset="-122"/>
+              <a:ea typeface="宋体" panose="02010600030101010101" pitchFamily="2" charset="-122"/>
+              <a:cs typeface="宋体" panose="02010600030101010101" pitchFamily="2" charset="-122"/>
+            </a:endParaRPr>
+          </a:p>
+          <a:p>
+            <a:pPr algn="l"/>
+            <a:r>
+              <a:rPr lang="zh-CN" altLang="en-US" sz="1600" b="0">
+                <a:solidFill>
+                  <a:schemeClr val="bg2"/>
+                </a:solidFill>
+                <a:effectLst/>
+                <a:latin typeface="宋体" panose="02010600030101010101" pitchFamily="2" charset="-122"/>
+                <a:ea typeface="宋体" panose="02010600030101010101" pitchFamily="2" charset="-122"/>
+                <a:cs typeface="宋体" panose="02010600030101010101" pitchFamily="2" charset="-122"/>
+              </a:rPr>
+              <a:t>    3. CORS 是一种新型的跨域问题的解决方案，存在兼容问题，仅支持 IE 10 以上 </a:t>
+            </a:r>
+            <a:endParaRPr lang="zh-CN" altLang="en-US" sz="1600" b="0">
+              <a:solidFill>
+                <a:schemeClr val="bg2"/>
+              </a:solidFill>
+              <a:effectLst/>
+              <a:latin typeface="宋体" panose="02010600030101010101" pitchFamily="2" charset="-122"/>
+              <a:ea typeface="宋体" panose="02010600030101010101" pitchFamily="2" charset="-122"/>
+              <a:cs typeface="宋体" panose="02010600030101010101" pitchFamily="2" charset="-122"/>
+            </a:endParaRPr>
+          </a:p>
+          <a:p>
+            <a:pPr algn="l"/>
+            <a:endParaRPr lang="zh-CN" altLang="en-US" sz="1600" b="0">
+              <a:solidFill>
+                <a:schemeClr val="bg2"/>
+              </a:solidFill>
+              <a:effectLst/>
+              <a:latin typeface="宋体" panose="02010600030101010101" pitchFamily="2" charset="-122"/>
+              <a:ea typeface="宋体" panose="02010600030101010101" pitchFamily="2" charset="-122"/>
+              <a:cs typeface="宋体" panose="02010600030101010101" pitchFamily="2" charset="-122"/>
+            </a:endParaRPr>
+          </a:p>
+          <a:p>
+            <a:pPr algn="l"/>
+            <a:r>
+              <a:rPr lang="zh-CN" altLang="en-US" sz="1600" b="0">
+                <a:solidFill>
+                  <a:schemeClr val="bg2"/>
+                </a:solidFill>
+                <a:effectLst/>
+                <a:latin typeface="宋体" panose="02010600030101010101" pitchFamily="2" charset="-122"/>
+                <a:ea typeface="宋体" panose="02010600030101010101" pitchFamily="2" charset="-122"/>
+                <a:cs typeface="宋体" panose="02010600030101010101" pitchFamily="2" charset="-122"/>
+              </a:rPr>
+              <a:t> </a:t>
+            </a:r>
+            <a:endParaRPr lang="zh-CN" altLang="en-US" sz="1600" b="0">
+              <a:solidFill>
+                <a:schemeClr val="bg2"/>
+              </a:solidFill>
+              <a:effectLst/>
+              <a:latin typeface="宋体" panose="02010600030101010101" pitchFamily="2" charset="-122"/>
+              <a:ea typeface="宋体" panose="02010600030101010101" pitchFamily="2" charset="-122"/>
+              <a:cs typeface="宋体" panose="02010600030101010101" pitchFamily="2" charset="-122"/>
+            </a:endParaRPr>
+          </a:p>
+          <a:p>
+            <a:pPr algn="l"/>
+            <a:r>
+              <a:rPr lang="zh-CN" altLang="en-US" sz="1600" b="0">
+                <a:solidFill>
+                  <a:schemeClr val="bg2"/>
+                </a:solidFill>
+                <a:effectLst/>
+                <a:latin typeface="宋体" panose="02010600030101010101" pitchFamily="2" charset="-122"/>
+                <a:ea typeface="宋体" panose="02010600030101010101" pitchFamily="2" charset="-122"/>
+                <a:cs typeface="宋体" panose="02010600030101010101" pitchFamily="2" charset="-122"/>
+              </a:rPr>
+              <a:t>此处有个基于</a:t>
+            </a:r>
+            <a:r>
+              <a:rPr lang="en-US" altLang="zh-CN" sz="1600" b="0">
+                <a:solidFill>
+                  <a:schemeClr val="bg2"/>
+                </a:solidFill>
+                <a:effectLst/>
+                <a:latin typeface="宋体" panose="02010600030101010101" pitchFamily="2" charset="-122"/>
+                <a:ea typeface="宋体" panose="02010600030101010101" pitchFamily="2" charset="-122"/>
+                <a:cs typeface="宋体" panose="02010600030101010101" pitchFamily="2" charset="-122"/>
+              </a:rPr>
+              <a:t>nodejs</a:t>
+            </a:r>
+            <a:r>
+              <a:rPr lang="zh-CN" altLang="en-US" sz="1600" b="0">
+                <a:solidFill>
+                  <a:schemeClr val="bg2"/>
+                </a:solidFill>
+                <a:effectLst/>
+                <a:latin typeface="宋体" panose="02010600030101010101" pitchFamily="2" charset="-122"/>
+                <a:ea typeface="宋体" panose="02010600030101010101" pitchFamily="2" charset="-122"/>
+                <a:cs typeface="宋体" panose="02010600030101010101" pitchFamily="2" charset="-122"/>
+              </a:rPr>
+              <a:t>的例子。</a:t>
+            </a:r>
+            <a:endParaRPr lang="zh-CN" altLang="en-US" sz="1600" b="0">
+              <a:solidFill>
+                <a:schemeClr val="bg2"/>
+              </a:solidFill>
+              <a:effectLst/>
+              <a:latin typeface="宋体" panose="02010600030101010101" pitchFamily="2" charset="-122"/>
+              <a:ea typeface="宋体" panose="02010600030101010101" pitchFamily="2" charset="-122"/>
+              <a:cs typeface="宋体" panose="02010600030101010101" pitchFamily="2" charset="-122"/>
+            </a:endParaRPr>
+          </a:p>
+        </p:txBody>
+      </p:sp>
+    </p:spTree>
+  </p:cSld>
+  <p:clrMapOvr>
+    <a:masterClrMapping/>
+  </p:clrMapOvr>
+  <p:transition advTm="11500"/>
+</p:sld>
+</file>
+
+<file path=ppt/slides/slide22.xml><?xml version="1.0" encoding="utf-8"?>
 <p:sld xmlns:a="http://schemas.openxmlformats.org/drawingml/2006/main" xmlns:r="http://schemas.openxmlformats.org/officeDocument/2006/relationships" xmlns:p="http://schemas.openxmlformats.org/presentationml/2006/main">
   <p:cSld>
     <p:spTree>
@@ -10081,7 +11301,7 @@
           <p:spPr>
             <a:xfrm>
               <a:off x="1115616" y="2833772"/>
-              <a:ext cx="7056784" cy="523220"/>
+              <a:ext cx="7056784" cy="521970"/>
             </a:xfrm>
             <a:prstGeom prst="rect">
               <a:avLst/>
@@ -10103,9 +11323,9 @@
                   <a:latin typeface="黑体" panose="02010609060101010101" pitchFamily="49" charset="-122"/>
                   <a:ea typeface="黑体" panose="02010609060101010101" pitchFamily="49" charset="-122"/>
                 </a:rPr>
-                <a:t>六、我的建议</a:t>
+                <a:t>六、令牌</a:t>
               </a:r>
-              <a:endParaRPr lang="en-US" altLang="zh-CN" sz="2800" b="0" dirty="0" smtClean="0">
+              <a:endParaRPr lang="zh-CN" altLang="en-US" sz="2800" b="0" dirty="0" smtClean="0">
                 <a:solidFill>
                   <a:srgbClr val="FFFFFF"/>
                 </a:solidFill>
@@ -10281,7 +11501,7 @@
 </p:sld>
 </file>
 
-<file path=ppt/slides/slide21.xml><?xml version="1.0" encoding="utf-8"?>
+<file path=ppt/slides/slide23.xml><?xml version="1.0" encoding="utf-8"?>
 <p:sld xmlns:a="http://schemas.openxmlformats.org/drawingml/2006/main" xmlns:r="http://schemas.openxmlformats.org/officeDocument/2006/relationships" xmlns:p="http://schemas.openxmlformats.org/presentationml/2006/main">
   <p:cSld>
     <p:spTree>
@@ -13227,9 +14447,20 @@
                 <a:cs typeface="宋体" panose="02010600030101010101" pitchFamily="2" charset="-122"/>
               </a:rPr>
               <a:t>- -</a:t>
-            </a:r>
+ </a:t>
+            </a:r>
+            <a:endParaRPr lang="en-US" sz="1600" b="0">
+              <a:solidFill>
+                <a:schemeClr val="bg2"/>
+              </a:solidFill>
+              <a:effectLst/>
+              <a:latin typeface="宋体" panose="02010600030101010101" pitchFamily="2" charset="-122"/>
+              <a:ea typeface="宋体" panose="02010600030101010101" pitchFamily="2" charset="-122"/>
+              <a:cs typeface="宋体" panose="02010600030101010101" pitchFamily="2" charset="-122"/>
+            </a:endParaRPr>
+          </a:p>
+          <a:p>
+            <a:pPr marL="0" indent="0" algn="l"/>
             <a:r>
               <a:rPr lang="en-US" sz="1800">
                 <a:solidFill>
@@ -13618,19 +14849,17 @@
               </a:rPr>
               <a:t>的标签不受同源策略的影响。</a:t>
             </a:r>
-            <a:r>
-              <a:rPr lang="zh-CN" sz="1600" b="0">
-                <a:solidFill>
-                  <a:schemeClr val="bg2"/>
-                </a:solidFill>
-                <a:effectLst/>
-                <a:latin typeface="宋体" panose="02010600030101010101" pitchFamily="2" charset="-122"/>
-                <a:ea typeface="宋体" panose="02010600030101010101" pitchFamily="2" charset="-122"/>
-                <a:cs typeface="宋体" panose="02010600030101010101" pitchFamily="2" charset="-122"/>
-              </a:rPr>
-              <a:t>-</a:t>
-            </a:r>
+            <a:endParaRPr lang="zh-CN" sz="1600" b="0">
+              <a:solidFill>
+                <a:schemeClr val="bg2"/>
+              </a:solidFill>
+              <a:effectLst/>
+              <a:latin typeface="宋体" panose="02010600030101010101" pitchFamily="2" charset="-122"/>
+              <a:ea typeface="宋体" panose="02010600030101010101" pitchFamily="2" charset="-122"/>
+              <a:cs typeface="宋体" panose="02010600030101010101" pitchFamily="2" charset="-122"/>
+            </a:endParaRPr>
+          </a:p>
+          <a:p>
             <a:endParaRPr lang="zh-CN" altLang="en-US" sz="1600" b="0">
               <a:solidFill>
                 <a:schemeClr val="bg2"/>
